--- a/docs/2019/images/twitter_cover.pptx
+++ b/docs/2019/images/twitter_cover.pptx
@@ -3862,8 +3862,8 @@
         </p:nvSpPr>
         <p:spPr>
           <a:xfrm>
-            <a:off x="6534616" y="3922944"/>
-            <a:ext cx="5532340" cy="1295825"/>
+            <a:off x="7788548" y="3858278"/>
+            <a:ext cx="3815889" cy="1159724"/>
           </a:xfrm>
           <a:prstGeom prst="rect">
             <a:avLst/>
@@ -3871,7 +3871,7 @@
         </p:spPr>
         <p:txBody>
           <a:bodyPr vert="horz" lIns="91440" tIns="45720" rIns="91440" bIns="45720" rtlCol="0" anchor="b">
-            <a:normAutofit fontScale="40000" lnSpcReduction="20000"/>
+            <a:normAutofit/>
           </a:bodyPr>
           <a:lstStyle>
             <a:lvl1pPr algn="ctr" defTabSz="914400" rtl="0" eaLnBrk="1" latinLnBrk="0" hangingPunct="1">
@@ -3894,7 +3894,7 @@
           </a:lstStyle>
           <a:p>
             <a:r>
-              <a:rPr lang="ja-JP" altLang="en-US" sz="4800" b="1">
+              <a:rPr lang="ja-JP" altLang="en-US" sz="2000" b="1">
                 <a:solidFill>
                   <a:schemeClr val="bg1">
                     <a:lumMod val="95000"/>
@@ -3905,7 +3905,7 @@
               </a:rPr>
               <a:t>第二回開催・応募期間</a:t>
             </a:r>
-            <a:endParaRPr lang="en-US" altLang="ja-JP" sz="4800" b="1" dirty="0">
+            <a:endParaRPr lang="en-US" altLang="ja-JP" sz="2000" b="1" dirty="0">
               <a:solidFill>
                 <a:schemeClr val="bg1">
                   <a:lumMod val="95000"/>
@@ -3922,7 +3922,7 @@
               </a:lnSpc>
             </a:pPr>
             <a:r>
-              <a:rPr lang="en-US" altLang="ja-JP" sz="4800" b="1" dirty="0">
+              <a:rPr lang="en-US" altLang="ja-JP" sz="2000" b="1" dirty="0">
                 <a:solidFill>
                   <a:schemeClr val="bg1">
                     <a:lumMod val="95000"/>
@@ -3934,7 +3934,7 @@
               <a:t>2019</a:t>
             </a:r>
             <a:r>
-              <a:rPr lang="ja-JP" altLang="en-US" sz="4800" b="1">
+              <a:rPr lang="ja-JP" altLang="en-US" sz="2000" b="1">
                 <a:solidFill>
                   <a:schemeClr val="bg1">
                     <a:lumMod val="95000"/>
@@ -3946,7 +3946,7 @@
               <a:t>年</a:t>
             </a:r>
             <a:r>
-              <a:rPr lang="en-US" altLang="ja-JP" sz="4800" b="1" dirty="0">
+              <a:rPr lang="en-US" altLang="ja-JP" sz="2000" b="1" dirty="0">
                 <a:solidFill>
                   <a:schemeClr val="bg1">
                     <a:lumMod val="95000"/>
@@ -3958,7 +3958,7 @@
               <a:t>6</a:t>
             </a:r>
             <a:r>
-              <a:rPr lang="ja-JP" altLang="en-US" sz="4800" b="1">
+              <a:rPr lang="ja-JP" altLang="en-US" sz="2000" b="1">
                 <a:solidFill>
                   <a:schemeClr val="bg1">
                     <a:lumMod val="95000"/>
@@ -3970,7 +3970,7 @@
               <a:t>月</a:t>
             </a:r>
             <a:r>
-              <a:rPr lang="en-US" altLang="ja-JP" sz="4800" b="1" dirty="0">
+              <a:rPr lang="en-US" altLang="ja-JP" sz="2000" b="1" dirty="0">
                 <a:solidFill>
                   <a:schemeClr val="bg1">
                     <a:lumMod val="95000"/>
@@ -3982,7 +3982,7 @@
               <a:t>4</a:t>
             </a:r>
             <a:r>
-              <a:rPr lang="ja-JP" altLang="en-US" sz="4800" b="1">
+              <a:rPr lang="ja-JP" altLang="en-US" sz="2000" b="1">
                 <a:solidFill>
                   <a:schemeClr val="bg1">
                     <a:lumMod val="95000"/>
@@ -3994,7 +3994,7 @@
               <a:t>日</a:t>
             </a:r>
             <a:r>
-              <a:rPr lang="en-US" altLang="ja-JP" sz="4800" b="1" dirty="0">
+              <a:rPr lang="en-US" altLang="ja-JP" sz="2000" b="1" dirty="0">
                 <a:solidFill>
                   <a:schemeClr val="bg1">
                     <a:lumMod val="95000"/>
@@ -4005,8 +4005,15 @@
               </a:rPr>
               <a:t>〜</a:t>
             </a:r>
-            <a:r>
-              <a:rPr lang="en-US" altLang="ja-JP" sz="4800" b="1" strike="sngStrike" dirty="0">
+          </a:p>
+          <a:p>
+            <a:pPr>
+              <a:lnSpc>
+                <a:spcPct val="120000"/>
+              </a:lnSpc>
+            </a:pPr>
+            <a:r>
+              <a:rPr lang="en-US" altLang="ja-JP" sz="2000" b="1" strike="sngStrike" dirty="0">
                 <a:solidFill>
                   <a:schemeClr val="bg1">
                     <a:lumMod val="95000"/>
@@ -4018,7 +4025,7 @@
               <a:t>10</a:t>
             </a:r>
             <a:r>
-              <a:rPr lang="ja-JP" altLang="en-US" sz="4800" b="1" strike="sngStrike">
+              <a:rPr lang="ja-JP" altLang="en-US" sz="2000" b="1" strike="sngStrike">
                 <a:solidFill>
                   <a:schemeClr val="bg1">
                     <a:lumMod val="95000"/>
@@ -4030,7 +4037,7 @@
               <a:t>月</a:t>
             </a:r>
             <a:r>
-              <a:rPr lang="en-US" altLang="ja-JP" sz="4800" b="1" strike="sngStrike" dirty="0">
+              <a:rPr lang="en-US" altLang="ja-JP" sz="2000" b="1" strike="sngStrike" dirty="0">
                 <a:solidFill>
                   <a:schemeClr val="bg1">
                     <a:lumMod val="95000"/>
@@ -4042,7 +4049,7 @@
               <a:t>31</a:t>
             </a:r>
             <a:r>
-              <a:rPr lang="ja-JP" altLang="en-US" sz="4800" b="1" strike="sngStrike">
+              <a:rPr lang="ja-JP" altLang="en-US" sz="2000" b="1" strike="sngStrike">
                 <a:solidFill>
                   <a:schemeClr val="bg1">
                     <a:lumMod val="95000"/>
@@ -4054,7 +4061,7 @@
               <a:t>日</a:t>
             </a:r>
             <a:r>
-              <a:rPr lang="en-US" altLang="ja-JP" sz="4800" b="1" dirty="0">
+              <a:rPr lang="en-US" altLang="ja-JP" sz="2000" b="1" dirty="0">
                 <a:solidFill>
                   <a:schemeClr val="bg1">
                     <a:lumMod val="95000"/>
@@ -4066,7 +4073,7 @@
               <a:t> 11</a:t>
             </a:r>
             <a:r>
-              <a:rPr lang="ja-JP" altLang="en-US" sz="4800" b="1">
+              <a:rPr lang="ja-JP" altLang="en-US" sz="2000" b="1">
                 <a:solidFill>
                   <a:schemeClr val="bg1">
                     <a:lumMod val="95000"/>
@@ -4078,7 +4085,7 @@
               <a:t>月</a:t>
             </a:r>
             <a:r>
-              <a:rPr lang="en-US" altLang="ja-JP" sz="4800" b="1" dirty="0">
+              <a:rPr lang="en-US" altLang="ja-JP" sz="2000" b="1" dirty="0">
                 <a:solidFill>
                   <a:schemeClr val="bg1">
                     <a:lumMod val="95000"/>
@@ -4090,7 +4097,7 @@
               <a:t>30</a:t>
             </a:r>
             <a:r>
-              <a:rPr lang="ja-JP" altLang="en-US" sz="4800" b="1">
+              <a:rPr lang="ja-JP" altLang="en-US" sz="2000" b="1">
                 <a:solidFill>
                   <a:schemeClr val="bg1">
                     <a:lumMod val="95000"/>
@@ -4101,7 +4108,7 @@
               </a:rPr>
               <a:t>日</a:t>
             </a:r>
-            <a:endParaRPr lang="en-US" altLang="ja-JP" sz="4800" b="1" dirty="0">
+            <a:endParaRPr lang="en-US" altLang="ja-JP" sz="2000" b="1" dirty="0">
               <a:solidFill>
                 <a:schemeClr val="bg1">
                   <a:lumMod val="95000"/>
@@ -4111,13 +4118,63 @@
               <a:ea typeface="メイリオ" panose="020B0604030504040204" pitchFamily="50" charset="-128"/>
             </a:endParaRPr>
           </a:p>
-          <a:p>
-            <a:pPr>
+        </p:txBody>
+      </p:sp>
+      <p:sp>
+        <p:nvSpPr>
+          <p:cNvPr id="10" name="タイトル 1">
+            <a:extLst>
+              <a:ext uri="{FF2B5EF4-FFF2-40B4-BE49-F238E27FC236}">
+                <a16:creationId xmlns:a16="http://schemas.microsoft.com/office/drawing/2014/main" id="{0081BAC1-81E9-3841-8506-D37135D30E94}"/>
+              </a:ext>
+            </a:extLst>
+          </p:cNvPr>
+          <p:cNvSpPr txBox="1">
+            <a:spLocks/>
+          </p:cNvSpPr>
+          <p:nvPr/>
+        </p:nvSpPr>
+        <p:spPr>
+          <a:xfrm>
+            <a:off x="4251283" y="4094474"/>
+            <a:ext cx="3613357" cy="1159724"/>
+          </a:xfrm>
+          <a:prstGeom prst="rect">
+            <a:avLst/>
+          </a:prstGeom>
+        </p:spPr>
+        <p:txBody>
+          <a:bodyPr vert="horz" lIns="91440" tIns="45720" rIns="91440" bIns="45720" rtlCol="0" anchor="b">
+            <a:normAutofit/>
+          </a:bodyPr>
+          <a:lstStyle>
+            <a:lvl1pPr algn="ctr" defTabSz="914400" rtl="0" eaLnBrk="1" latinLnBrk="0" hangingPunct="1">
               <a:lnSpc>
-                <a:spcPct val="120000"/>
+                <a:spcPct val="90000"/>
               </a:lnSpc>
-            </a:pPr>
-            <a:endParaRPr lang="en-US" altLang="ja-JP" sz="4800" b="1" dirty="0">
+              <a:spcBef>
+                <a:spcPct val="0"/>
+              </a:spcBef>
+              <a:buNone/>
+              <a:defRPr kumimoji="1" sz="6000" kern="1200">
+                <a:solidFill>
+                  <a:schemeClr val="tx1"/>
+                </a:solidFill>
+                <a:latin typeface="+mj-lt"/>
+                <a:ea typeface="+mj-ea"/>
+                <a:cs typeface="+mj-cs"/>
+              </a:defRPr>
+            </a:lvl1pPr>
+          </a:lstStyle>
+          <a:p>
+            <a:endParaRPr lang="en-US" altLang="ja-JP" sz="2400" b="1" dirty="0">
+              <a:ln>
+                <a:solidFill>
+                  <a:schemeClr val="bg1">
+                    <a:lumMod val="50000"/>
+                  </a:schemeClr>
+                </a:solidFill>
+              </a:ln>
               <a:solidFill>
                 <a:schemeClr val="bg1">
                   <a:lumMod val="95000"/>
@@ -4129,7 +4186,238 @@
           </a:p>
           <a:p>
             <a:r>
-              <a:rPr lang="en-US" altLang="ja-JP" sz="4800" b="1" dirty="0">
+              <a:rPr lang="ja-JP" altLang="en-US" sz="2400" b="1">
+                <a:ln>
+                  <a:solidFill>
+                    <a:schemeClr val="bg1">
+                      <a:lumMod val="50000"/>
+                    </a:schemeClr>
+                  </a:solidFill>
+                </a:ln>
+                <a:solidFill>
+                  <a:schemeClr val="bg1">
+                    <a:lumMod val="95000"/>
+                  </a:schemeClr>
+                </a:solidFill>
+                <a:latin typeface="メイリオ" panose="020B0604030504040204" pitchFamily="50" charset="-128"/>
+                <a:ea typeface="メイリオ" panose="020B0604030504040204" pitchFamily="50" charset="-128"/>
+              </a:rPr>
+              <a:t>セマンティックウェブと</a:t>
+            </a:r>
+            <a:br>
+              <a:rPr lang="en-US" altLang="ja-JP" sz="2400" b="1" dirty="0">
+                <a:ln>
+                  <a:solidFill>
+                    <a:schemeClr val="bg1">
+                      <a:lumMod val="50000"/>
+                    </a:schemeClr>
+                  </a:solidFill>
+                </a:ln>
+                <a:solidFill>
+                  <a:schemeClr val="bg1">
+                    <a:lumMod val="95000"/>
+                  </a:schemeClr>
+                </a:solidFill>
+                <a:latin typeface="メイリオ" panose="020B0604030504040204" pitchFamily="50" charset="-128"/>
+                <a:ea typeface="メイリオ" panose="020B0604030504040204" pitchFamily="50" charset="-128"/>
+              </a:rPr>
+            </a:br>
+            <a:r>
+              <a:rPr lang="ja-JP" altLang="en-US" sz="2400" b="1">
+                <a:ln>
+                  <a:solidFill>
+                    <a:schemeClr val="bg1">
+                      <a:lumMod val="50000"/>
+                    </a:schemeClr>
+                  </a:solidFill>
+                </a:ln>
+                <a:solidFill>
+                  <a:schemeClr val="bg1">
+                    <a:lumMod val="95000"/>
+                  </a:schemeClr>
+                </a:solidFill>
+                <a:latin typeface="メイリオ" panose="020B0604030504040204" pitchFamily="50" charset="-128"/>
+                <a:ea typeface="メイリオ" panose="020B0604030504040204" pitchFamily="50" charset="-128"/>
+              </a:rPr>
+              <a:t>オントロジー研究会</a:t>
+            </a:r>
+            <a:endParaRPr lang="en-US" altLang="ja-JP" sz="2400" b="1" dirty="0">
+              <a:ln>
+                <a:solidFill>
+                  <a:schemeClr val="bg1">
+                    <a:lumMod val="50000"/>
+                  </a:schemeClr>
+                </a:solidFill>
+              </a:ln>
+              <a:solidFill>
+                <a:schemeClr val="bg1">
+                  <a:lumMod val="95000"/>
+                </a:schemeClr>
+              </a:solidFill>
+              <a:latin typeface="メイリオ" panose="020B0604030504040204" pitchFamily="50" charset="-128"/>
+              <a:ea typeface="メイリオ" panose="020B0604030504040204" pitchFamily="50" charset="-128"/>
+            </a:endParaRPr>
+          </a:p>
+        </p:txBody>
+      </p:sp>
+      <p:grpSp>
+        <p:nvGrpSpPr>
+          <p:cNvPr id="3" name="グループ化 2">
+            <a:extLst>
+              <a:ext uri="{FF2B5EF4-FFF2-40B4-BE49-F238E27FC236}">
+                <a16:creationId xmlns:a16="http://schemas.microsoft.com/office/drawing/2014/main" id="{B455C1E2-F528-7148-84F3-0664575FC747}"/>
+              </a:ext>
+            </a:extLst>
+          </p:cNvPr>
+          <p:cNvGrpSpPr/>
+          <p:nvPr/>
+        </p:nvGrpSpPr>
+        <p:grpSpPr>
+          <a:xfrm>
+            <a:off x="5009712" y="3862333"/>
+            <a:ext cx="2020407" cy="599492"/>
+            <a:chOff x="2058444" y="5661239"/>
+            <a:chExt cx="1605856" cy="476487"/>
+          </a:xfrm>
+        </p:grpSpPr>
+        <p:sp>
+          <p:nvSpPr>
+            <p:cNvPr id="2" name="正方形/長方形 1">
+              <a:extLst>
+                <a:ext uri="{FF2B5EF4-FFF2-40B4-BE49-F238E27FC236}">
+                  <a16:creationId xmlns:a16="http://schemas.microsoft.com/office/drawing/2014/main" id="{EC0F677C-0B7F-DB4A-B111-766BADD1DDE5}"/>
+                </a:ext>
+              </a:extLst>
+            </p:cNvPr>
+            <p:cNvSpPr/>
+            <p:nvPr/>
+          </p:nvSpPr>
+          <p:spPr>
+            <a:xfrm>
+              <a:off x="2058444" y="5661239"/>
+              <a:ext cx="1605856" cy="476487"/>
+            </a:xfrm>
+            <a:prstGeom prst="rect">
+              <a:avLst/>
+            </a:prstGeom>
+            <a:solidFill>
+              <a:schemeClr val="bg1"/>
+            </a:solidFill>
+            <a:ln>
+              <a:noFill/>
+            </a:ln>
+          </p:spPr>
+          <p:style>
+            <a:lnRef idx="2">
+              <a:schemeClr val="accent1">
+                <a:shade val="50000"/>
+              </a:schemeClr>
+            </a:lnRef>
+            <a:fillRef idx="1">
+              <a:schemeClr val="accent1"/>
+            </a:fillRef>
+            <a:effectRef idx="0">
+              <a:schemeClr val="accent1"/>
+            </a:effectRef>
+            <a:fontRef idx="minor">
+              <a:schemeClr val="lt1"/>
+            </a:fontRef>
+          </p:style>
+          <p:txBody>
+            <a:bodyPr rtlCol="0" anchor="ctr"/>
+            <a:lstStyle/>
+            <a:p>
+              <a:pPr algn="ctr"/>
+              <a:endParaRPr kumimoji="1" lang="ja-JP" altLang="en-US"/>
+            </a:p>
+          </p:txBody>
+        </p:sp>
+        <p:pic>
+          <p:nvPicPr>
+            <p:cNvPr id="11" name="図 10">
+              <a:extLst>
+                <a:ext uri="{FF2B5EF4-FFF2-40B4-BE49-F238E27FC236}">
+                  <a16:creationId xmlns:a16="http://schemas.microsoft.com/office/drawing/2014/main" id="{70B73586-4401-8E48-B766-C82DB5DC2FD8}"/>
+                </a:ext>
+              </a:extLst>
+            </p:cNvPr>
+            <p:cNvPicPr>
+              <a:picLocks noChangeAspect="1"/>
+            </p:cNvPicPr>
+            <p:nvPr/>
+          </p:nvPicPr>
+          <p:blipFill>
+            <a:blip r:embed="rId4" cstate="print">
+              <a:extLst>
+                <a:ext uri="{28A0092B-C50C-407E-A947-70E740481C1C}">
+                  <a14:useLocalDpi xmlns:a14="http://schemas.microsoft.com/office/drawing/2010/main" val="0"/>
+                </a:ext>
+              </a:extLst>
+            </a:blip>
+            <a:stretch>
+              <a:fillRect/>
+            </a:stretch>
+          </p:blipFill>
+          <p:spPr>
+            <a:xfrm>
+              <a:off x="2058444" y="5673276"/>
+              <a:ext cx="1605856" cy="445625"/>
+            </a:xfrm>
+            <a:prstGeom prst="rect">
+              <a:avLst/>
+            </a:prstGeom>
+          </p:spPr>
+        </p:pic>
+      </p:grpSp>
+      <p:sp>
+        <p:nvSpPr>
+          <p:cNvPr id="12" name="タイトル 1">
+            <a:extLst>
+              <a:ext uri="{FF2B5EF4-FFF2-40B4-BE49-F238E27FC236}">
+                <a16:creationId xmlns:a16="http://schemas.microsoft.com/office/drawing/2014/main" id="{6179A99E-976A-0544-A8AB-419CF1CE030D}"/>
+              </a:ext>
+            </a:extLst>
+          </p:cNvPr>
+          <p:cNvSpPr txBox="1">
+            <a:spLocks/>
+          </p:cNvSpPr>
+          <p:nvPr/>
+        </p:nvSpPr>
+        <p:spPr>
+          <a:xfrm>
+            <a:off x="7566541" y="4986942"/>
+            <a:ext cx="3507956" cy="303154"/>
+          </a:xfrm>
+          <a:prstGeom prst="rect">
+            <a:avLst/>
+          </a:prstGeom>
+        </p:spPr>
+        <p:txBody>
+          <a:bodyPr vert="horz" lIns="91440" tIns="45720" rIns="91440" bIns="45720" rtlCol="0" anchor="b">
+            <a:normAutofit/>
+          </a:bodyPr>
+          <a:lstStyle>
+            <a:lvl1pPr algn="ctr" defTabSz="914400" rtl="0" eaLnBrk="1" latinLnBrk="0" hangingPunct="1">
+              <a:lnSpc>
+                <a:spcPct val="90000"/>
+              </a:lnSpc>
+              <a:spcBef>
+                <a:spcPct val="0"/>
+              </a:spcBef>
+              <a:buNone/>
+              <a:defRPr kumimoji="1" sz="6000" kern="1200">
+                <a:solidFill>
+                  <a:schemeClr val="tx1"/>
+                </a:solidFill>
+                <a:latin typeface="+mj-lt"/>
+                <a:ea typeface="+mj-ea"/>
+                <a:cs typeface="+mj-cs"/>
+              </a:defRPr>
+            </a:lvl1pPr>
+          </a:lstStyle>
+          <a:p>
+            <a:r>
+              <a:rPr lang="en-US" altLang="ja-JP" sz="1200" b="1" dirty="0">
                 <a:solidFill>
                   <a:schemeClr val="bg1">
                     <a:lumMod val="95000"/>
@@ -4141,7 +4429,7 @@
               <a:t>http://</a:t>
             </a:r>
             <a:r>
-              <a:rPr lang="en-US" altLang="ja-JP" sz="4800" b="1" dirty="0" err="1">
+              <a:rPr lang="en-US" altLang="ja-JP" sz="1200" b="1" dirty="0" err="1">
                 <a:solidFill>
                   <a:schemeClr val="bg1">
                     <a:lumMod val="95000"/>
@@ -4152,19 +4440,7 @@
               </a:rPr>
               <a:t>challenge.knowledge-graph.jp</a:t>
             </a:r>
-            <a:r>
-              <a:rPr lang="en-US" altLang="ja-JP" sz="4800" b="1" dirty="0">
-                <a:solidFill>
-                  <a:schemeClr val="bg1">
-                    <a:lumMod val="95000"/>
-                  </a:schemeClr>
-                </a:solidFill>
-                <a:latin typeface="メイリオ" panose="020B0604030504040204" pitchFamily="50" charset="-128"/>
-                <a:ea typeface="メイリオ" panose="020B0604030504040204" pitchFamily="50" charset="-128"/>
-              </a:rPr>
-              <a:t>/</a:t>
-            </a:r>
-            <a:endParaRPr lang="ja-JP" altLang="en-US" sz="4800" b="1" dirty="0">
+            <a:endParaRPr lang="en-US" altLang="ja-JP" sz="1200" b="1" dirty="0">
               <a:solidFill>
                 <a:schemeClr val="bg1">
                   <a:lumMod val="95000"/>
